--- a/Docker.pptx
+++ b/Docker.pptx
@@ -585,7 +585,7 @@
           <a:p>
             <a:fld id="{EA0C0817-A112-4847-8014-A94B7D2A4EA3}" type="datetime1">
               <a:rPr lang="en-US" smtClean="0"/>
-              <a:t>6/16/2021</a:t>
+              <a:t>6/17/2021</a:t>
             </a:fld>
             <a:endParaRPr lang="en-US" dirty="0"/>
           </a:p>
@@ -787,7 +787,7 @@
           <a:p>
             <a:fld id="{134F40B7-36AB-4376-BE14-EF7004D79BB9}" type="datetime1">
               <a:rPr lang="en-US" smtClean="0"/>
-              <a:t>6/16/2021</a:t>
+              <a:t>6/17/2021</a:t>
             </a:fld>
             <a:endParaRPr lang="en-US"/>
           </a:p>
@@ -967,7 +967,7 @@
           <a:p>
             <a:fld id="{FF87CAB8-DCAE-46A5-AADA-B3FAD11A54E0}" type="datetime1">
               <a:rPr lang="en-US" smtClean="0"/>
-              <a:t>6/16/2021</a:t>
+              <a:t>6/17/2021</a:t>
             </a:fld>
             <a:endParaRPr lang="en-US"/>
           </a:p>
@@ -1137,7 +1137,7 @@
           <a:p>
             <a:fld id="{7332B432-ACDA-4023-A761-2BAB76577B62}" type="datetime1">
               <a:rPr lang="en-US" smtClean="0"/>
-              <a:t>6/16/2021</a:t>
+              <a:t>6/17/2021</a:t>
             </a:fld>
             <a:endParaRPr lang="en-US"/>
           </a:p>
@@ -1736,7 +1736,7 @@
           <a:p>
             <a:fld id="{D9C646AA-F36E-4540-911D-FFFC0A0EF24A}" type="datetime1">
               <a:rPr lang="en-US" smtClean="0"/>
-              <a:t>6/16/2021</a:t>
+              <a:t>6/17/2021</a:t>
             </a:fld>
             <a:endParaRPr lang="en-US" dirty="0"/>
           </a:p>
@@ -2056,7 +2056,7 @@
           <a:p>
             <a:fld id="{69186D26-FA5F-4637-B602-B7C2DC34CFD4}" type="datetime1">
               <a:rPr lang="en-US" smtClean="0"/>
-              <a:t>6/16/2021</a:t>
+              <a:t>6/17/2021</a:t>
             </a:fld>
             <a:endParaRPr lang="en-US"/>
           </a:p>
@@ -2491,7 +2491,7 @@
           <a:p>
             <a:fld id="{8A7F15D8-96D1-4781-BC50-CA8A088B2FE4}" type="datetime1">
               <a:rPr lang="en-US" smtClean="0"/>
-              <a:t>6/16/2021</a:t>
+              <a:t>6/17/2021</a:t>
             </a:fld>
             <a:endParaRPr lang="en-US"/>
           </a:p>
@@ -2609,7 +2609,7 @@
           <a:p>
             <a:fld id="{F9A96C99-B8F8-4528-BD05-0E16E943DC09}" type="datetime1">
               <a:rPr lang="en-US" smtClean="0"/>
-              <a:t>6/16/2021</a:t>
+              <a:t>6/17/2021</a:t>
             </a:fld>
             <a:endParaRPr lang="en-US"/>
           </a:p>
@@ -2704,7 +2704,7 @@
           <a:p>
             <a:fld id="{03636942-C211-4B28-8DBD-C953E00AF71B}" type="datetime1">
               <a:rPr lang="en-US" smtClean="0"/>
-              <a:t>6/16/2021</a:t>
+              <a:t>6/17/2021</a:t>
             </a:fld>
             <a:endParaRPr lang="en-US"/>
           </a:p>
@@ -3121,7 +3121,7 @@
           <a:p>
             <a:fld id="{7E8D12A6-918A-48BD-8CB9-CA713993B0EA}" type="datetime1">
               <a:rPr lang="en-US" smtClean="0"/>
-              <a:t>6/16/2021</a:t>
+              <a:t>6/17/2021</a:t>
             </a:fld>
             <a:endParaRPr lang="en-US"/>
           </a:p>
@@ -3383,7 +3383,7 @@
             <a:fld id="{E778CE86-875F-4587-BCF6-FA054AFC0D53}" type="datetime1">
               <a:rPr lang="en-US" smtClean="0"/>
               <a:pPr/>
-              <a:t>6/16/2021</a:t>
+              <a:t>6/17/2021</a:t>
             </a:fld>
             <a:endParaRPr lang="en-US" dirty="0"/>
           </a:p>
@@ -3899,7 +3899,7 @@
           <a:p>
             <a:fld id="{F6FA2B21-3FCD-4721-B95C-427943F61125}" type="datetime1">
               <a:rPr lang="en-US" smtClean="0"/>
-              <a:t>6/16/2021</a:t>
+              <a:t>6/17/2021</a:t>
             </a:fld>
             <a:endParaRPr lang="en-US"/>
           </a:p>
@@ -6244,8 +6244,8 @@
         </p:nvSpPr>
         <p:spPr bwMode="auto">
           <a:xfrm>
-            <a:off x="532543" y="1107398"/>
-            <a:ext cx="10501901" cy="5141420"/>
+            <a:off x="532543" y="1055078"/>
+            <a:ext cx="10501901" cy="5246064"/>
           </a:xfrm>
           <a:prstGeom prst="rect">
             <a:avLst/>
@@ -6422,30 +6422,615 @@
               <a:buClrTx/>
             </a:pPr>
             <a:r>
-              <a:rPr kumimoji="0" lang="en-US" altLang="en-US" sz="1800" b="0" i="0" u="none" strike="noStrike" cap="none" normalizeH="0" baseline="0" dirty="0">
+              <a:rPr kumimoji="0" lang="en-US" altLang="en-US" sz="1600" b="0" i="0" u="none" strike="noStrike" cap="none" normalizeH="0" baseline="0" dirty="0">
                 <a:ln>
                   <a:noFill/>
                 </a:ln>
                 <a:solidFill>
-                  <a:srgbClr val="0C5176"/>
+                  <a:srgbClr val="151E71"/>
                 </a:solidFill>
                 <a:effectLst/>
                 <a:latin typeface="Menlo"/>
               </a:rPr>
-              <a:t>apt-get update</a:t>
-            </a:r>
-            <a:r>
-              <a:rPr kumimoji="0" lang="en-US" altLang="en-US" sz="1800" b="0" i="0" u="none" strike="noStrike" cap="none" normalizeH="0" baseline="0" dirty="0">
+              <a:t>apt-get update </a:t>
+            </a:r>
+          </a:p>
+          <a:p>
+            <a:pPr>
+              <a:lnSpc>
+                <a:spcPct val="100000"/>
+              </a:lnSpc>
+              <a:spcBef>
+                <a:spcPct val="0"/>
+              </a:spcBef>
+              <a:buClrTx/>
+            </a:pPr>
+            <a:r>
+              <a:rPr kumimoji="0" lang="en-US" altLang="en-US" sz="1600" b="0" i="0" u="none" strike="noStrike" cap="none" normalizeH="0" baseline="0" dirty="0">
                 <a:ln>
                   <a:noFill/>
                 </a:ln>
                 <a:solidFill>
-                  <a:schemeClr val="tx1"/>
+                  <a:srgbClr val="151E71"/>
                 </a:solidFill>
                 <a:effectLst/>
+                <a:latin typeface="Menlo"/>
+              </a:rPr>
+              <a:t>apt-get install apt-transport-https ca-certificates curl </a:t>
+            </a:r>
+            <a:r>
+              <a:rPr kumimoji="0" lang="en-US" altLang="en-US" sz="1600" b="0" i="0" u="none" strike="noStrike" cap="none" normalizeH="0" baseline="0" dirty="0" err="1">
+                <a:ln>
+                  <a:noFill/>
+                </a:ln>
+                <a:solidFill>
+                  <a:srgbClr val="151E71"/>
+                </a:solidFill>
+                <a:effectLst/>
+                <a:latin typeface="Menlo"/>
+              </a:rPr>
+              <a:t>gnupg</a:t>
+            </a:r>
+            <a:r>
+              <a:rPr kumimoji="0" lang="en-US" altLang="en-US" sz="1600" b="0" i="0" u="none" strike="noStrike" cap="none" normalizeH="0" baseline="0" dirty="0">
+                <a:ln>
+                  <a:noFill/>
+                </a:ln>
+                <a:solidFill>
+                  <a:srgbClr val="151E71"/>
+                </a:solidFill>
+                <a:effectLst/>
+                <a:latin typeface="Menlo"/>
               </a:rPr>
               <a:t> </a:t>
             </a:r>
+            <a:r>
+              <a:rPr kumimoji="0" lang="en-US" altLang="en-US" sz="1600" b="0" i="0" u="none" strike="noStrike" cap="none" normalizeH="0" baseline="0" dirty="0" err="1">
+                <a:ln>
+                  <a:noFill/>
+                </a:ln>
+                <a:solidFill>
+                  <a:srgbClr val="151E71"/>
+                </a:solidFill>
+                <a:effectLst/>
+                <a:latin typeface="Menlo"/>
+              </a:rPr>
+              <a:t>lsb</a:t>
+            </a:r>
+            <a:r>
+              <a:rPr kumimoji="0" lang="en-US" altLang="en-US" sz="1600" b="0" i="0" u="none" strike="noStrike" cap="none" normalizeH="0" baseline="0" dirty="0">
+                <a:ln>
+                  <a:noFill/>
+                </a:ln>
+                <a:solidFill>
+                  <a:srgbClr val="151E71"/>
+                </a:solidFill>
+                <a:effectLst/>
+                <a:latin typeface="Menlo"/>
+              </a:rPr>
+              <a:t>-release -y </a:t>
+            </a:r>
+          </a:p>
+          <a:p>
+            <a:pPr>
+              <a:lnSpc>
+                <a:spcPct val="100000"/>
+              </a:lnSpc>
+              <a:spcBef>
+                <a:spcPct val="0"/>
+              </a:spcBef>
+              <a:buClrTx/>
+            </a:pPr>
+            <a:r>
+              <a:rPr kumimoji="0" lang="en-US" altLang="en-US" sz="1600" b="0" i="0" u="none" strike="noStrike" cap="none" normalizeH="0" baseline="0" dirty="0">
+                <a:ln>
+                  <a:noFill/>
+                </a:ln>
+                <a:solidFill>
+                  <a:srgbClr val="151E71"/>
+                </a:solidFill>
+                <a:effectLst/>
+                <a:latin typeface="Menlo"/>
+              </a:rPr>
+              <a:t>curl -</a:t>
+            </a:r>
+            <a:r>
+              <a:rPr kumimoji="0" lang="en-US" altLang="en-US" sz="1600" b="0" i="0" u="none" strike="noStrike" cap="none" normalizeH="0" baseline="0" dirty="0" err="1">
+                <a:ln>
+                  <a:noFill/>
+                </a:ln>
+                <a:solidFill>
+                  <a:srgbClr val="151E71"/>
+                </a:solidFill>
+                <a:effectLst/>
+                <a:latin typeface="Menlo"/>
+              </a:rPr>
+              <a:t>fsSL</a:t>
+            </a:r>
+            <a:r>
+              <a:rPr kumimoji="0" lang="en-US" altLang="en-US" sz="1600" b="0" i="0" u="none" strike="noStrike" cap="none" normalizeH="0" baseline="0" dirty="0">
+                <a:ln>
+                  <a:noFill/>
+                </a:ln>
+                <a:solidFill>
+                  <a:srgbClr val="151E71"/>
+                </a:solidFill>
+                <a:effectLst/>
+                <a:latin typeface="Menlo"/>
+              </a:rPr>
+              <a:t> https://download.docker.com/linux/ubuntu/gpg | </a:t>
+            </a:r>
+            <a:r>
+              <a:rPr kumimoji="0" lang="en-US" altLang="en-US" sz="1600" b="0" i="0" u="none" strike="noStrike" cap="none" normalizeH="0" baseline="0" dirty="0" err="1">
+                <a:ln>
+                  <a:noFill/>
+                </a:ln>
+                <a:solidFill>
+                  <a:srgbClr val="151E71"/>
+                </a:solidFill>
+                <a:effectLst/>
+                <a:latin typeface="Menlo"/>
+              </a:rPr>
+              <a:t>sudo</a:t>
+            </a:r>
+            <a:r>
+              <a:rPr kumimoji="0" lang="en-US" altLang="en-US" sz="1600" b="0" i="0" u="none" strike="noStrike" cap="none" normalizeH="0" baseline="0" dirty="0">
+                <a:ln>
+                  <a:noFill/>
+                </a:ln>
+                <a:solidFill>
+                  <a:srgbClr val="151E71"/>
+                </a:solidFill>
+                <a:effectLst/>
+                <a:latin typeface="Menlo"/>
+              </a:rPr>
+              <a:t> </a:t>
+            </a:r>
+            <a:r>
+              <a:rPr kumimoji="0" lang="en-US" altLang="en-US" sz="1600" b="0" i="0" u="none" strike="noStrike" cap="none" normalizeH="0" baseline="0" dirty="0" err="1">
+                <a:ln>
+                  <a:noFill/>
+                </a:ln>
+                <a:solidFill>
+                  <a:srgbClr val="151E71"/>
+                </a:solidFill>
+                <a:effectLst/>
+                <a:latin typeface="Menlo"/>
+              </a:rPr>
+              <a:t>gpg</a:t>
+            </a:r>
+            <a:r>
+              <a:rPr kumimoji="0" lang="en-US" altLang="en-US" sz="1600" b="0" i="0" u="none" strike="noStrike" cap="none" normalizeH="0" baseline="0" dirty="0">
+                <a:ln>
+                  <a:noFill/>
+                </a:ln>
+                <a:solidFill>
+                  <a:srgbClr val="151E71"/>
+                </a:solidFill>
+                <a:effectLst/>
+                <a:latin typeface="Menlo"/>
+              </a:rPr>
+              <a:t> --</a:t>
+            </a:r>
+            <a:r>
+              <a:rPr kumimoji="0" lang="en-US" altLang="en-US" sz="1600" b="0" i="0" u="none" strike="noStrike" cap="none" normalizeH="0" baseline="0" dirty="0" err="1">
+                <a:ln>
+                  <a:noFill/>
+                </a:ln>
+                <a:solidFill>
+                  <a:srgbClr val="151E71"/>
+                </a:solidFill>
+                <a:effectLst/>
+                <a:latin typeface="Menlo"/>
+              </a:rPr>
+              <a:t>dearmor</a:t>
+            </a:r>
+            <a:r>
+              <a:rPr kumimoji="0" lang="en-US" altLang="en-US" sz="1600" b="0" i="0" u="none" strike="noStrike" cap="none" normalizeH="0" baseline="0" dirty="0">
+                <a:ln>
+                  <a:noFill/>
+                </a:ln>
+                <a:solidFill>
+                  <a:srgbClr val="151E71"/>
+                </a:solidFill>
+                <a:effectLst/>
+                <a:latin typeface="Menlo"/>
+              </a:rPr>
+              <a:t> -o /</a:t>
+            </a:r>
+            <a:r>
+              <a:rPr kumimoji="0" lang="en-US" altLang="en-US" sz="1600" b="0" i="0" u="none" strike="noStrike" cap="none" normalizeH="0" baseline="0" dirty="0" err="1">
+                <a:ln>
+                  <a:noFill/>
+                </a:ln>
+                <a:solidFill>
+                  <a:srgbClr val="151E71"/>
+                </a:solidFill>
+                <a:effectLst/>
+                <a:latin typeface="Menlo"/>
+              </a:rPr>
+              <a:t>usr</a:t>
+            </a:r>
+            <a:r>
+              <a:rPr kumimoji="0" lang="en-US" altLang="en-US" sz="1600" b="0" i="0" u="none" strike="noStrike" cap="none" normalizeH="0" baseline="0" dirty="0">
+                <a:ln>
+                  <a:noFill/>
+                </a:ln>
+                <a:solidFill>
+                  <a:srgbClr val="151E71"/>
+                </a:solidFill>
+                <a:effectLst/>
+                <a:latin typeface="Menlo"/>
+              </a:rPr>
+              <a:t>/share/keyrings/docker-archive-</a:t>
+            </a:r>
+            <a:r>
+              <a:rPr kumimoji="0" lang="en-US" altLang="en-US" sz="1600" b="0" i="0" u="none" strike="noStrike" cap="none" normalizeH="0" baseline="0" dirty="0" err="1">
+                <a:ln>
+                  <a:noFill/>
+                </a:ln>
+                <a:solidFill>
+                  <a:srgbClr val="151E71"/>
+                </a:solidFill>
+                <a:effectLst/>
+                <a:latin typeface="Menlo"/>
+              </a:rPr>
+              <a:t>keyring.gpg</a:t>
+            </a:r>
+            <a:r>
+              <a:rPr kumimoji="0" lang="en-US" altLang="en-US" sz="1600" b="0" i="0" u="none" strike="noStrike" cap="none" normalizeH="0" baseline="0" dirty="0">
+                <a:ln>
+                  <a:noFill/>
+                </a:ln>
+                <a:solidFill>
+                  <a:srgbClr val="151E71"/>
+                </a:solidFill>
+                <a:effectLst/>
+                <a:latin typeface="Menlo"/>
+              </a:rPr>
+              <a:t> -y </a:t>
+            </a:r>
+          </a:p>
+          <a:p>
+            <a:pPr>
+              <a:lnSpc>
+                <a:spcPct val="100000"/>
+              </a:lnSpc>
+              <a:buClrTx/>
+            </a:pPr>
+            <a:r>
+              <a:rPr kumimoji="0" lang="en-US" altLang="en-US" sz="1600" b="0" i="0" u="none" strike="noStrike" cap="none" normalizeH="0" baseline="0" dirty="0">
+                <a:ln>
+                  <a:noFill/>
+                </a:ln>
+                <a:solidFill>
+                  <a:srgbClr val="151E71"/>
+                </a:solidFill>
+                <a:effectLst/>
+                <a:latin typeface="Menlo"/>
+              </a:rPr>
+              <a:t> echo "deb [arch=amd64 signed-by=/</a:t>
+            </a:r>
+            <a:r>
+              <a:rPr kumimoji="0" lang="en-US" altLang="en-US" sz="1600" b="0" i="0" u="none" strike="noStrike" cap="none" normalizeH="0" baseline="0" dirty="0" err="1">
+                <a:ln>
+                  <a:noFill/>
+                </a:ln>
+                <a:solidFill>
+                  <a:srgbClr val="151E71"/>
+                </a:solidFill>
+                <a:effectLst/>
+                <a:latin typeface="Menlo"/>
+              </a:rPr>
+              <a:t>usr</a:t>
+            </a:r>
+            <a:r>
+              <a:rPr kumimoji="0" lang="en-US" altLang="en-US" sz="1600" b="0" i="0" u="none" strike="noStrike" cap="none" normalizeH="0" baseline="0" dirty="0">
+                <a:ln>
+                  <a:noFill/>
+                </a:ln>
+                <a:solidFill>
+                  <a:srgbClr val="151E71"/>
+                </a:solidFill>
+                <a:effectLst/>
+                <a:latin typeface="Menlo"/>
+              </a:rPr>
+              <a:t>/share/keyrings/docker-archive-</a:t>
+            </a:r>
+            <a:r>
+              <a:rPr kumimoji="0" lang="en-US" altLang="en-US" sz="1600" b="0" i="0" u="none" strike="noStrike" cap="none" normalizeH="0" baseline="0" dirty="0" err="1">
+                <a:ln>
+                  <a:noFill/>
+                </a:ln>
+                <a:solidFill>
+                  <a:srgbClr val="151E71"/>
+                </a:solidFill>
+                <a:effectLst/>
+                <a:latin typeface="Menlo"/>
+              </a:rPr>
+              <a:t>keyring.gpg</a:t>
+            </a:r>
+            <a:r>
+              <a:rPr kumimoji="0" lang="en-US" altLang="en-US" sz="1600" b="0" i="0" u="none" strike="noStrike" cap="none" normalizeH="0" baseline="0" dirty="0">
+                <a:ln>
+                  <a:noFill/>
+                </a:ln>
+                <a:solidFill>
+                  <a:srgbClr val="151E71"/>
+                </a:solidFill>
+                <a:effectLst/>
+                <a:latin typeface="Menlo"/>
+              </a:rPr>
+              <a:t>] https://download.docker.com/linux/ubuntu $(</a:t>
+            </a:r>
+            <a:r>
+              <a:rPr kumimoji="0" lang="en-US" altLang="en-US" sz="1600" b="0" i="0" u="none" strike="noStrike" cap="none" normalizeH="0" baseline="0" dirty="0" err="1">
+                <a:ln>
+                  <a:noFill/>
+                </a:ln>
+                <a:solidFill>
+                  <a:srgbClr val="151E71"/>
+                </a:solidFill>
+                <a:effectLst/>
+                <a:latin typeface="Menlo"/>
+              </a:rPr>
+              <a:t>lsb_release</a:t>
+            </a:r>
+            <a:r>
+              <a:rPr kumimoji="0" lang="en-US" altLang="en-US" sz="1600" b="0" i="0" u="none" strike="noStrike" cap="none" normalizeH="0" baseline="0" dirty="0">
+                <a:ln>
+                  <a:noFill/>
+                </a:ln>
+                <a:solidFill>
+                  <a:srgbClr val="151E71"/>
+                </a:solidFill>
+                <a:effectLst/>
+                <a:latin typeface="Menlo"/>
+              </a:rPr>
+              <a:t> -cs) stable" | </a:t>
+            </a:r>
+            <a:r>
+              <a:rPr kumimoji="0" lang="en-US" altLang="en-US" sz="1600" b="0" i="0" u="none" strike="noStrike" cap="none" normalizeH="0" baseline="0" dirty="0" err="1">
+                <a:ln>
+                  <a:noFill/>
+                </a:ln>
+                <a:solidFill>
+                  <a:srgbClr val="151E71"/>
+                </a:solidFill>
+                <a:effectLst/>
+                <a:latin typeface="Menlo"/>
+              </a:rPr>
+              <a:t>sudo</a:t>
+            </a:r>
+            <a:r>
+              <a:rPr kumimoji="0" lang="en-US" altLang="en-US" sz="1600" b="0" i="0" u="none" strike="noStrike" cap="none" normalizeH="0" baseline="0" dirty="0">
+                <a:ln>
+                  <a:noFill/>
+                </a:ln>
+                <a:solidFill>
+                  <a:srgbClr val="151E71"/>
+                </a:solidFill>
+                <a:effectLst/>
+                <a:latin typeface="Menlo"/>
+              </a:rPr>
+              <a:t> tee /</a:t>
+            </a:r>
+            <a:r>
+              <a:rPr kumimoji="0" lang="en-US" altLang="en-US" sz="1600" b="0" i="0" u="none" strike="noStrike" cap="none" normalizeH="0" baseline="0" dirty="0" err="1">
+                <a:ln>
+                  <a:noFill/>
+                </a:ln>
+                <a:solidFill>
+                  <a:srgbClr val="151E71"/>
+                </a:solidFill>
+                <a:effectLst/>
+                <a:latin typeface="Menlo"/>
+              </a:rPr>
+              <a:t>etc</a:t>
+            </a:r>
+            <a:r>
+              <a:rPr kumimoji="0" lang="en-US" altLang="en-US" sz="1600" b="0" i="0" u="none" strike="noStrike" cap="none" normalizeH="0" baseline="0" dirty="0">
+                <a:ln>
+                  <a:noFill/>
+                </a:ln>
+                <a:solidFill>
+                  <a:srgbClr val="151E71"/>
+                </a:solidFill>
+                <a:effectLst/>
+                <a:latin typeface="Menlo"/>
+              </a:rPr>
+              <a:t>/apt/</a:t>
+            </a:r>
+            <a:r>
+              <a:rPr kumimoji="0" lang="en-US" altLang="en-US" sz="1600" b="0" i="0" u="none" strike="noStrike" cap="none" normalizeH="0" baseline="0" dirty="0" err="1">
+                <a:ln>
+                  <a:noFill/>
+                </a:ln>
+                <a:solidFill>
+                  <a:srgbClr val="151E71"/>
+                </a:solidFill>
+                <a:effectLst/>
+                <a:latin typeface="Menlo"/>
+              </a:rPr>
+              <a:t>sources.list.d</a:t>
+            </a:r>
+            <a:r>
+              <a:rPr kumimoji="0" lang="en-US" altLang="en-US" sz="1600" b="0" i="0" u="none" strike="noStrike" cap="none" normalizeH="0" baseline="0" dirty="0">
+                <a:ln>
+                  <a:noFill/>
+                </a:ln>
+                <a:solidFill>
+                  <a:srgbClr val="151E71"/>
+                </a:solidFill>
+                <a:effectLst/>
+                <a:latin typeface="Menlo"/>
+              </a:rPr>
+              <a:t>/</a:t>
+            </a:r>
+            <a:r>
+              <a:rPr kumimoji="0" lang="en-US" altLang="en-US" sz="1600" b="0" i="0" u="none" strike="noStrike" cap="none" normalizeH="0" baseline="0" dirty="0" err="1">
+                <a:ln>
+                  <a:noFill/>
+                </a:ln>
+                <a:solidFill>
+                  <a:srgbClr val="151E71"/>
+                </a:solidFill>
+                <a:effectLst/>
+                <a:latin typeface="Menlo"/>
+              </a:rPr>
+              <a:t>docker.list</a:t>
+            </a:r>
+            <a:r>
+              <a:rPr kumimoji="0" lang="en-US" altLang="en-US" sz="1600" b="0" i="0" u="none" strike="noStrike" cap="none" normalizeH="0" baseline="0" dirty="0">
+                <a:ln>
+                  <a:noFill/>
+                </a:ln>
+                <a:solidFill>
+                  <a:srgbClr val="151E71"/>
+                </a:solidFill>
+                <a:effectLst/>
+                <a:latin typeface="Menlo"/>
+              </a:rPr>
+              <a:t> &gt; /dev/null </a:t>
+            </a:r>
+            <a:endParaRPr lang="en-US" altLang="en-US" sz="1600" dirty="0">
+              <a:solidFill>
+                <a:srgbClr val="151E71"/>
+              </a:solidFill>
+              <a:latin typeface="Menlo"/>
+            </a:endParaRPr>
+          </a:p>
+          <a:p>
+            <a:pPr>
+              <a:lnSpc>
+                <a:spcPct val="100000"/>
+              </a:lnSpc>
+              <a:buClrTx/>
+            </a:pPr>
+            <a:r>
+              <a:rPr kumimoji="0" lang="en-US" altLang="en-US" sz="1600" b="0" i="0" u="none" strike="noStrike" cap="none" normalizeH="0" baseline="0" dirty="0">
+                <a:ln>
+                  <a:noFill/>
+                </a:ln>
+                <a:solidFill>
+                  <a:srgbClr val="151E71"/>
+                </a:solidFill>
+                <a:effectLst/>
+                <a:latin typeface="Menlo"/>
+              </a:rPr>
+              <a:t>apt-get update</a:t>
+            </a:r>
+          </a:p>
+          <a:p>
+            <a:pPr>
+              <a:lnSpc>
+                <a:spcPct val="100000"/>
+              </a:lnSpc>
+              <a:spcBef>
+                <a:spcPct val="0"/>
+              </a:spcBef>
+              <a:buClrTx/>
+            </a:pPr>
+            <a:r>
+              <a:rPr kumimoji="0" lang="en-US" altLang="en-US" sz="1600" b="0" i="0" u="none" strike="noStrike" cap="none" normalizeH="0" baseline="0" dirty="0">
+                <a:ln>
+                  <a:noFill/>
+                </a:ln>
+                <a:solidFill>
+                  <a:srgbClr val="151E71"/>
+                </a:solidFill>
+                <a:effectLst/>
+                <a:latin typeface="Menlo"/>
+              </a:rPr>
+              <a:t>apt-get install docker-</a:t>
+            </a:r>
+            <a:r>
+              <a:rPr kumimoji="0" lang="en-US" altLang="en-US" sz="1600" b="0" i="0" u="none" strike="noStrike" cap="none" normalizeH="0" baseline="0" dirty="0" err="1">
+                <a:ln>
+                  <a:noFill/>
+                </a:ln>
+                <a:solidFill>
+                  <a:srgbClr val="151E71"/>
+                </a:solidFill>
+                <a:effectLst/>
+                <a:latin typeface="Menlo"/>
+              </a:rPr>
+              <a:t>ce</a:t>
+            </a:r>
+            <a:r>
+              <a:rPr kumimoji="0" lang="en-US" altLang="en-US" sz="1600" b="0" i="0" u="none" strike="noStrike" cap="none" normalizeH="0" baseline="0" dirty="0">
+                <a:ln>
+                  <a:noFill/>
+                </a:ln>
+                <a:solidFill>
+                  <a:srgbClr val="151E71"/>
+                </a:solidFill>
+                <a:effectLst/>
+                <a:latin typeface="Menlo"/>
+              </a:rPr>
+              <a:t> docker-</a:t>
+            </a:r>
+            <a:r>
+              <a:rPr kumimoji="0" lang="en-US" altLang="en-US" sz="1600" b="0" i="0" u="none" strike="noStrike" cap="none" normalizeH="0" baseline="0" dirty="0" err="1">
+                <a:ln>
+                  <a:noFill/>
+                </a:ln>
+                <a:solidFill>
+                  <a:srgbClr val="151E71"/>
+                </a:solidFill>
+                <a:effectLst/>
+                <a:latin typeface="Menlo"/>
+              </a:rPr>
+              <a:t>ce</a:t>
+            </a:r>
+            <a:r>
+              <a:rPr kumimoji="0" lang="en-US" altLang="en-US" sz="1600" b="0" i="0" u="none" strike="noStrike" cap="none" normalizeH="0" baseline="0" dirty="0">
+                <a:ln>
+                  <a:noFill/>
+                </a:ln>
+                <a:solidFill>
+                  <a:srgbClr val="151E71"/>
+                </a:solidFill>
+                <a:effectLst/>
+                <a:latin typeface="Menlo"/>
+              </a:rPr>
+              <a:t>-cli containerd.io -y </a:t>
+            </a:r>
+          </a:p>
+          <a:p>
+            <a:pPr>
+              <a:lnSpc>
+                <a:spcPct val="100000"/>
+              </a:lnSpc>
+              <a:buClrTx/>
+            </a:pPr>
+            <a:r>
+              <a:rPr kumimoji="0" lang="en-US" altLang="en-US" sz="1600" b="0" i="0" u="none" strike="noStrike" cap="none" normalizeH="0" baseline="0" dirty="0">
+                <a:ln>
+                  <a:noFill/>
+                </a:ln>
+                <a:solidFill>
+                  <a:srgbClr val="151E71"/>
+                </a:solidFill>
+                <a:effectLst/>
+                <a:latin typeface="Menlo"/>
+              </a:rPr>
+              <a:t>docker run hello-world </a:t>
+            </a:r>
+            <a:endParaRPr lang="en-US" altLang="en-US" sz="1600" dirty="0">
+              <a:solidFill>
+                <a:srgbClr val="151E71"/>
+              </a:solidFill>
+              <a:latin typeface="Menlo"/>
+            </a:endParaRPr>
+          </a:p>
+          <a:p>
+            <a:pPr>
+              <a:lnSpc>
+                <a:spcPct val="100000"/>
+              </a:lnSpc>
+              <a:buClrTx/>
+            </a:pPr>
             <a:endParaRPr kumimoji="0" lang="en-US" altLang="en-US" sz="1800" b="0" i="0" u="none" strike="noStrike" cap="none" normalizeH="0" baseline="0" dirty="0">
               <a:ln>
                 <a:noFill/>
@@ -6458,942 +7043,72 @@
             </a:endParaRPr>
           </a:p>
           <a:p>
-            <a:pPr>
+            <a:pPr marL="0" indent="0">
               <a:lnSpc>
                 <a:spcPct val="100000"/>
               </a:lnSpc>
               <a:buClrTx/>
+              <a:buNone/>
             </a:pPr>
             <a:r>
-              <a:rPr kumimoji="0" lang="en-US" altLang="en-US" sz="1800" b="0" i="0" u="none" strike="noStrike" cap="none" normalizeH="0" baseline="0" dirty="0">
-                <a:ln>
-                  <a:noFill/>
-                </a:ln>
-                <a:solidFill>
-                  <a:srgbClr val="0C5176"/>
+              <a:rPr lang="en-US" sz="2000" b="1" i="0" dirty="0">
+                <a:solidFill>
+                  <a:srgbClr val="1D1C1D"/>
                 </a:solidFill>
                 <a:effectLst/>
-                <a:latin typeface="Menlo"/>
-              </a:rPr>
-              <a:t>apt-get install </a:t>
-            </a:r>
-            <a:r>
-              <a:rPr kumimoji="0" lang="en-US" altLang="en-US" sz="1800" b="0" i="0" u="none" strike="noStrike" cap="none" normalizeH="0" baseline="0" dirty="0">
-                <a:ln>
-                  <a:noFill/>
-                </a:ln>
-                <a:solidFill>
-                  <a:srgbClr val="CD5555"/>
+                <a:latin typeface="Slack-Lato"/>
+              </a:rPr>
+              <a:t>Alternate:- </a:t>
+            </a:r>
+            <a:r>
+              <a:rPr lang="en-US" sz="1600" b="0" i="0" dirty="0">
+                <a:solidFill>
+                  <a:srgbClr val="1D1C1D"/>
                 </a:solidFill>
                 <a:effectLst/>
-                <a:latin typeface="Menlo"/>
-              </a:rPr>
-              <a:t>\</a:t>
-            </a:r>
-            <a:r>
-              <a:rPr kumimoji="0" lang="en-US" altLang="en-US" sz="1800" b="0" i="0" u="none" strike="noStrike" cap="none" normalizeH="0" baseline="0" dirty="0">
-                <a:ln>
-                  <a:noFill/>
-                </a:ln>
-                <a:solidFill>
-                  <a:srgbClr val="0C5176"/>
+                <a:latin typeface="Slack-Lato"/>
+              </a:rPr>
+              <a:t>use below command to download the script and execute it :</a:t>
+            </a:r>
+            <a:br>
+              <a:rPr lang="en-US" sz="1600" dirty="0"/>
+            </a:br>
+            <a:r>
+              <a:rPr lang="en-US" sz="1600" b="0" i="0" dirty="0">
+                <a:solidFill>
+                  <a:srgbClr val="151E71"/>
                 </a:solidFill>
                 <a:effectLst/>
-                <a:latin typeface="Menlo"/>
-              </a:rPr>
-              <a:t> apt-transport-https </a:t>
-            </a:r>
-            <a:r>
-              <a:rPr kumimoji="0" lang="en-US" altLang="en-US" sz="1800" b="0" i="0" u="none" strike="noStrike" cap="none" normalizeH="0" baseline="0" dirty="0">
-                <a:ln>
-                  <a:noFill/>
-                </a:ln>
-                <a:solidFill>
-                  <a:srgbClr val="CD5555"/>
+                <a:latin typeface="Slack-Lato"/>
+              </a:rPr>
+              <a:t>curl -L </a:t>
+            </a:r>
+            <a:r>
+              <a:rPr lang="en-US" sz="1600" b="0" i="0" u="none" strike="noStrike" dirty="0">
+                <a:solidFill>
+                  <a:srgbClr val="151E71"/>
                 </a:solidFill>
                 <a:effectLst/>
-                <a:latin typeface="Menlo"/>
-              </a:rPr>
-              <a:t>\</a:t>
-            </a:r>
-            <a:r>
-              <a:rPr kumimoji="0" lang="en-US" altLang="en-US" sz="1800" b="0" i="0" u="none" strike="noStrike" cap="none" normalizeH="0" baseline="0" dirty="0">
-                <a:ln>
-                  <a:noFill/>
-                </a:ln>
-                <a:solidFill>
-                  <a:srgbClr val="0C5176"/>
+                <a:latin typeface="Slack-Lato"/>
+              </a:rPr>
+              <a:t>https://raw.githubusercontent.com/ShubamTondare/docker/master/docker_script.sh</a:t>
+            </a:r>
+            <a:r>
+              <a:rPr lang="en-US" sz="1600" b="0" i="0" dirty="0">
+                <a:solidFill>
+                  <a:srgbClr val="151E71"/>
                 </a:solidFill>
                 <a:effectLst/>
-                <a:latin typeface="Menlo"/>
-              </a:rPr>
-              <a:t> ca-certificates </a:t>
-            </a:r>
-            <a:r>
-              <a:rPr kumimoji="0" lang="en-US" altLang="en-US" sz="1800" b="0" i="0" u="none" strike="noStrike" cap="none" normalizeH="0" baseline="0" dirty="0">
-                <a:ln>
-                  <a:noFill/>
-                </a:ln>
-                <a:solidFill>
-                  <a:srgbClr val="CD5555"/>
-                </a:solidFill>
-                <a:effectLst/>
-                <a:latin typeface="Menlo"/>
-              </a:rPr>
-              <a:t>\</a:t>
-            </a:r>
-            <a:r>
-              <a:rPr kumimoji="0" lang="en-US" altLang="en-US" sz="1800" b="0" i="0" u="none" strike="noStrike" cap="none" normalizeH="0" baseline="0" dirty="0">
-                <a:ln>
-                  <a:noFill/>
-                </a:ln>
-                <a:solidFill>
-                  <a:srgbClr val="0C5176"/>
-                </a:solidFill>
-                <a:effectLst/>
-                <a:latin typeface="Menlo"/>
-              </a:rPr>
-              <a:t> curl </a:t>
-            </a:r>
-            <a:r>
-              <a:rPr kumimoji="0" lang="en-US" altLang="en-US" sz="1800" b="0" i="0" u="none" strike="noStrike" cap="none" normalizeH="0" baseline="0" dirty="0">
-                <a:ln>
-                  <a:noFill/>
-                </a:ln>
-                <a:solidFill>
-                  <a:srgbClr val="CD5555"/>
-                </a:solidFill>
-                <a:effectLst/>
-                <a:latin typeface="Menlo"/>
-              </a:rPr>
-              <a:t>\</a:t>
-            </a:r>
-            <a:r>
-              <a:rPr kumimoji="0" lang="en-US" altLang="en-US" sz="1800" b="0" i="0" u="none" strike="noStrike" cap="none" normalizeH="0" baseline="0" dirty="0">
-                <a:ln>
-                  <a:noFill/>
-                </a:ln>
-                <a:solidFill>
-                  <a:srgbClr val="0C5176"/>
-                </a:solidFill>
-                <a:effectLst/>
-                <a:latin typeface="Menlo"/>
-              </a:rPr>
-              <a:t> </a:t>
-            </a:r>
-            <a:r>
-              <a:rPr kumimoji="0" lang="en-US" altLang="en-US" sz="1800" b="0" i="0" u="none" strike="noStrike" cap="none" normalizeH="0" baseline="0" dirty="0" err="1">
-                <a:ln>
-                  <a:noFill/>
-                </a:ln>
-                <a:solidFill>
-                  <a:srgbClr val="0C5176"/>
-                </a:solidFill>
-                <a:effectLst/>
-                <a:latin typeface="Menlo"/>
-              </a:rPr>
-              <a:t>gnupg</a:t>
-            </a:r>
-            <a:r>
-              <a:rPr kumimoji="0" lang="en-US" altLang="en-US" sz="1800" b="0" i="0" u="none" strike="noStrike" cap="none" normalizeH="0" baseline="0" dirty="0">
-                <a:ln>
-                  <a:noFill/>
-                </a:ln>
-                <a:solidFill>
-                  <a:srgbClr val="0C5176"/>
-                </a:solidFill>
-                <a:effectLst/>
-                <a:latin typeface="Menlo"/>
-              </a:rPr>
-              <a:t> </a:t>
-            </a:r>
-            <a:r>
-              <a:rPr kumimoji="0" lang="en-US" altLang="en-US" sz="1800" b="0" i="0" u="none" strike="noStrike" cap="none" normalizeH="0" baseline="0" dirty="0">
-                <a:ln>
-                  <a:noFill/>
-                </a:ln>
-                <a:solidFill>
-                  <a:srgbClr val="CD5555"/>
-                </a:solidFill>
-                <a:effectLst/>
-                <a:latin typeface="Menlo"/>
-              </a:rPr>
-              <a:t>\</a:t>
-            </a:r>
-            <a:r>
-              <a:rPr kumimoji="0" lang="en-US" altLang="en-US" sz="1800" b="0" i="0" u="none" strike="noStrike" cap="none" normalizeH="0" baseline="0" dirty="0">
-                <a:ln>
-                  <a:noFill/>
-                </a:ln>
-                <a:solidFill>
-                  <a:srgbClr val="0C5176"/>
-                </a:solidFill>
-                <a:effectLst/>
-                <a:latin typeface="Menlo"/>
-              </a:rPr>
-              <a:t> </a:t>
-            </a:r>
-            <a:r>
-              <a:rPr kumimoji="0" lang="en-US" altLang="en-US" sz="1800" b="0" i="0" u="none" strike="noStrike" cap="none" normalizeH="0" baseline="0" dirty="0" err="1">
-                <a:ln>
-                  <a:noFill/>
-                </a:ln>
-                <a:solidFill>
-                  <a:srgbClr val="0C5176"/>
-                </a:solidFill>
-                <a:effectLst/>
-                <a:latin typeface="Menlo"/>
-              </a:rPr>
-              <a:t>lsb</a:t>
-            </a:r>
-            <a:r>
-              <a:rPr kumimoji="0" lang="en-US" altLang="en-US" sz="1800" b="0" i="0" u="none" strike="noStrike" cap="none" normalizeH="0" baseline="0" dirty="0">
-                <a:ln>
-                  <a:noFill/>
-                </a:ln>
-                <a:solidFill>
-                  <a:srgbClr val="0C5176"/>
-                </a:solidFill>
-                <a:effectLst/>
-                <a:latin typeface="Menlo"/>
-              </a:rPr>
-              <a:t>-release</a:t>
-            </a:r>
-            <a:r>
-              <a:rPr kumimoji="0" lang="en-US" altLang="en-US" sz="1800" b="0" i="0" u="none" strike="noStrike" cap="none" normalizeH="0" baseline="0" dirty="0">
-                <a:ln>
-                  <a:noFill/>
-                </a:ln>
-                <a:solidFill>
-                  <a:schemeClr val="tx1"/>
-                </a:solidFill>
-                <a:effectLst/>
-              </a:rPr>
-              <a:t> </a:t>
-            </a:r>
-          </a:p>
-          <a:p>
-            <a:pPr>
-              <a:lnSpc>
-                <a:spcPct val="100000"/>
-              </a:lnSpc>
-              <a:spcBef>
-                <a:spcPct val="0"/>
-              </a:spcBef>
-              <a:buClrTx/>
-            </a:pPr>
-            <a:r>
-              <a:rPr kumimoji="0" lang="en-US" altLang="en-US" sz="1800" b="0" i="0" u="none" strike="noStrike" cap="none" normalizeH="0" baseline="0" dirty="0">
-                <a:ln>
-                  <a:noFill/>
-                </a:ln>
-                <a:solidFill>
-                  <a:srgbClr val="0C5176"/>
-                </a:solidFill>
-                <a:effectLst/>
-                <a:latin typeface="Menlo"/>
-              </a:rPr>
-              <a:t>curl </a:t>
-            </a:r>
-            <a:r>
-              <a:rPr kumimoji="0" lang="en-US" altLang="en-US" sz="1800" b="0" i="0" u="none" strike="noStrike" cap="none" normalizeH="0" baseline="0" dirty="0">
-                <a:ln>
-                  <a:noFill/>
-                </a:ln>
-                <a:solidFill>
-                  <a:srgbClr val="8B008B"/>
-                </a:solidFill>
-                <a:effectLst/>
-                <a:latin typeface="Menlo"/>
-              </a:rPr>
-              <a:t>-</a:t>
-            </a:r>
-            <a:r>
-              <a:rPr kumimoji="0" lang="en-US" altLang="en-US" sz="1800" b="0" i="0" u="none" strike="noStrike" cap="none" normalizeH="0" baseline="0" dirty="0" err="1">
-                <a:ln>
-                  <a:noFill/>
-                </a:ln>
-                <a:solidFill>
-                  <a:srgbClr val="8B008B"/>
-                </a:solidFill>
-                <a:effectLst/>
-                <a:latin typeface="Menlo"/>
-              </a:rPr>
-              <a:t>fsSL</a:t>
-            </a:r>
-            <a:r>
-              <a:rPr kumimoji="0" lang="en-US" altLang="en-US" sz="1800" b="0" i="0" u="none" strike="noStrike" cap="none" normalizeH="0" baseline="0" dirty="0">
-                <a:ln>
-                  <a:noFill/>
-                </a:ln>
-                <a:solidFill>
-                  <a:srgbClr val="0C5176"/>
-                </a:solidFill>
-                <a:effectLst/>
-                <a:latin typeface="Menlo"/>
-              </a:rPr>
-              <a:t> https://download.docker.com/linux/ubuntu/gpg | </a:t>
-            </a:r>
-            <a:r>
-              <a:rPr kumimoji="0" lang="en-US" altLang="en-US" sz="1800" b="0" i="0" u="none" strike="noStrike" cap="none" normalizeH="0" baseline="0" dirty="0" err="1">
-                <a:ln>
-                  <a:noFill/>
-                </a:ln>
-                <a:solidFill>
-                  <a:srgbClr val="0C5176"/>
-                </a:solidFill>
-                <a:effectLst/>
-                <a:latin typeface="Menlo"/>
-              </a:rPr>
-              <a:t>gpg</a:t>
-            </a:r>
-            <a:r>
-              <a:rPr kumimoji="0" lang="en-US" altLang="en-US" sz="1800" b="0" i="0" u="none" strike="noStrike" cap="none" normalizeH="0" baseline="0" dirty="0">
-                <a:ln>
-                  <a:noFill/>
-                </a:ln>
-                <a:solidFill>
-                  <a:srgbClr val="0C5176"/>
-                </a:solidFill>
-                <a:effectLst/>
-                <a:latin typeface="Menlo"/>
-              </a:rPr>
-              <a:t> </a:t>
-            </a:r>
-            <a:r>
-              <a:rPr kumimoji="0" lang="en-US" altLang="en-US" sz="1800" b="0" i="0" u="none" strike="noStrike" cap="none" normalizeH="0" baseline="0" dirty="0">
-                <a:ln>
-                  <a:noFill/>
-                </a:ln>
-                <a:solidFill>
-                  <a:srgbClr val="8B008B"/>
-                </a:solidFill>
-                <a:effectLst/>
-                <a:latin typeface="Menlo"/>
-              </a:rPr>
-              <a:t>--</a:t>
-            </a:r>
-            <a:r>
-              <a:rPr kumimoji="0" lang="en-US" altLang="en-US" sz="1800" b="0" i="0" u="none" strike="noStrike" cap="none" normalizeH="0" baseline="0" dirty="0" err="1">
-                <a:ln>
-                  <a:noFill/>
-                </a:ln>
-                <a:solidFill>
-                  <a:srgbClr val="8B008B"/>
-                </a:solidFill>
-                <a:effectLst/>
-                <a:latin typeface="Menlo"/>
-              </a:rPr>
-              <a:t>dearmor</a:t>
-            </a:r>
-            <a:r>
-              <a:rPr kumimoji="0" lang="en-US" altLang="en-US" sz="1800" b="0" i="0" u="none" strike="noStrike" cap="none" normalizeH="0" baseline="0" dirty="0">
-                <a:ln>
-                  <a:noFill/>
-                </a:ln>
-                <a:solidFill>
-                  <a:srgbClr val="0C5176"/>
-                </a:solidFill>
-                <a:effectLst/>
-                <a:latin typeface="Menlo"/>
-              </a:rPr>
-              <a:t> </a:t>
-            </a:r>
-            <a:r>
-              <a:rPr kumimoji="0" lang="en-US" altLang="en-US" sz="1800" b="0" i="0" u="none" strike="noStrike" cap="none" normalizeH="0" baseline="0" dirty="0">
-                <a:ln>
-                  <a:noFill/>
-                </a:ln>
-                <a:solidFill>
-                  <a:srgbClr val="8B008B"/>
-                </a:solidFill>
-                <a:effectLst/>
-                <a:latin typeface="Menlo"/>
-              </a:rPr>
-              <a:t>-o</a:t>
-            </a:r>
-            <a:r>
-              <a:rPr kumimoji="0" lang="en-US" altLang="en-US" sz="1800" b="0" i="0" u="none" strike="noStrike" cap="none" normalizeH="0" baseline="0" dirty="0">
-                <a:ln>
-                  <a:noFill/>
-                </a:ln>
-                <a:solidFill>
-                  <a:srgbClr val="0C5176"/>
-                </a:solidFill>
-                <a:effectLst/>
-                <a:latin typeface="Menlo"/>
-              </a:rPr>
-              <a:t> /</a:t>
-            </a:r>
-            <a:r>
-              <a:rPr kumimoji="0" lang="en-US" altLang="en-US" sz="1800" b="0" i="0" u="none" strike="noStrike" cap="none" normalizeH="0" baseline="0" dirty="0" err="1">
-                <a:ln>
-                  <a:noFill/>
-                </a:ln>
-                <a:solidFill>
-                  <a:srgbClr val="0C5176"/>
-                </a:solidFill>
-                <a:effectLst/>
-                <a:latin typeface="Menlo"/>
-              </a:rPr>
-              <a:t>usr</a:t>
-            </a:r>
-            <a:r>
-              <a:rPr kumimoji="0" lang="en-US" altLang="en-US" sz="1800" b="0" i="0" u="none" strike="noStrike" cap="none" normalizeH="0" baseline="0" dirty="0">
-                <a:ln>
-                  <a:noFill/>
-                </a:ln>
-                <a:solidFill>
-                  <a:srgbClr val="0C5176"/>
-                </a:solidFill>
-                <a:effectLst/>
-                <a:latin typeface="Menlo"/>
-              </a:rPr>
-              <a:t>/share/keyrings/docker-archive-</a:t>
-            </a:r>
-            <a:r>
-              <a:rPr kumimoji="0" lang="en-US" altLang="en-US" sz="1800" b="0" i="0" u="none" strike="noStrike" cap="none" normalizeH="0" baseline="0" dirty="0" err="1">
-                <a:ln>
-                  <a:noFill/>
-                </a:ln>
-                <a:solidFill>
-                  <a:srgbClr val="0C5176"/>
-                </a:solidFill>
-                <a:effectLst/>
-                <a:latin typeface="Menlo"/>
-              </a:rPr>
-              <a:t>keyring.gpg</a:t>
-            </a:r>
-            <a:r>
-              <a:rPr kumimoji="0" lang="en-US" altLang="en-US" sz="1800" b="0" i="0" u="none" strike="noStrike" cap="none" normalizeH="0" baseline="0" dirty="0">
-                <a:ln>
-                  <a:noFill/>
-                </a:ln>
-                <a:solidFill>
-                  <a:schemeClr val="tx1"/>
-                </a:solidFill>
-                <a:effectLst/>
-              </a:rPr>
-              <a:t> </a:t>
-            </a:r>
-            <a:endParaRPr kumimoji="0" lang="en-US" altLang="en-US" sz="1800" b="0" i="0" u="none" strike="noStrike" cap="none" normalizeH="0" baseline="0" dirty="0">
+                <a:latin typeface="Slack-Lato"/>
+              </a:rPr>
+              <a:t> --output docker_script.sh</a:t>
+            </a:r>
+            <a:endParaRPr kumimoji="0" lang="en-US" altLang="en-US" sz="1100" b="0" i="0" u="none" strike="noStrike" cap="none" normalizeH="0" baseline="0" dirty="0">
               <a:ln>
                 <a:noFill/>
               </a:ln>
               <a:solidFill>
-                <a:schemeClr val="tx1"/>
-              </a:solidFill>
-              <a:effectLst/>
-              <a:latin typeface="Arial" panose="020B0604020202020204" pitchFamily="34" charset="0"/>
-            </a:endParaRPr>
-          </a:p>
-          <a:p>
-            <a:pPr>
-              <a:lnSpc>
-                <a:spcPct val="100000"/>
-              </a:lnSpc>
-              <a:buClrTx/>
-            </a:pPr>
-            <a:r>
-              <a:rPr kumimoji="0" lang="en-US" altLang="en-US" sz="1800" b="0" i="0" u="none" strike="noStrike" cap="none" normalizeH="0" baseline="0" dirty="0">
-                <a:ln>
-                  <a:noFill/>
-                </a:ln>
-                <a:solidFill>
-                  <a:srgbClr val="0C5176"/>
-                </a:solidFill>
-                <a:effectLst/>
-                <a:latin typeface="Menlo"/>
-              </a:rPr>
-              <a:t> echo </a:t>
-            </a:r>
-            <a:r>
-              <a:rPr kumimoji="0" lang="en-US" altLang="en-US" sz="1800" b="0" i="0" u="none" strike="noStrike" cap="none" normalizeH="0" baseline="0" dirty="0">
-                <a:ln>
-                  <a:noFill/>
-                </a:ln>
-                <a:solidFill>
-                  <a:srgbClr val="CD5555"/>
-                </a:solidFill>
-                <a:effectLst/>
-                <a:latin typeface="Menlo"/>
-              </a:rPr>
-              <a:t>\</a:t>
-            </a:r>
-            <a:r>
-              <a:rPr kumimoji="0" lang="en-US" altLang="en-US" sz="1800" b="0" i="0" u="none" strike="noStrike" cap="none" normalizeH="0" baseline="0" dirty="0">
-                <a:ln>
-                  <a:noFill/>
-                </a:ln>
-                <a:solidFill>
-                  <a:srgbClr val="0C5176"/>
-                </a:solidFill>
-                <a:effectLst/>
-                <a:latin typeface="Menlo"/>
-              </a:rPr>
-              <a:t> </a:t>
-            </a:r>
-            <a:r>
-              <a:rPr kumimoji="0" lang="en-US" altLang="en-US" sz="1800" b="0" i="0" u="none" strike="noStrike" cap="none" normalizeH="0" baseline="0" dirty="0">
-                <a:ln>
-                  <a:noFill/>
-                </a:ln>
-                <a:solidFill>
-                  <a:srgbClr val="CD5555"/>
-                </a:solidFill>
-                <a:effectLst/>
-                <a:latin typeface="Menlo"/>
-              </a:rPr>
-              <a:t>"deb [arch=amd64 signed-by=/</a:t>
-            </a:r>
-            <a:r>
-              <a:rPr kumimoji="0" lang="en-US" altLang="en-US" sz="1800" b="0" i="0" u="none" strike="noStrike" cap="none" normalizeH="0" baseline="0" dirty="0" err="1">
-                <a:ln>
-                  <a:noFill/>
-                </a:ln>
-                <a:solidFill>
-                  <a:srgbClr val="CD5555"/>
-                </a:solidFill>
-                <a:effectLst/>
-                <a:latin typeface="Menlo"/>
-              </a:rPr>
-              <a:t>usr</a:t>
-            </a:r>
-            <a:r>
-              <a:rPr kumimoji="0" lang="en-US" altLang="en-US" sz="1800" b="0" i="0" u="none" strike="noStrike" cap="none" normalizeH="0" baseline="0" dirty="0">
-                <a:ln>
-                  <a:noFill/>
-                </a:ln>
-                <a:solidFill>
-                  <a:srgbClr val="CD5555"/>
-                </a:solidFill>
-                <a:effectLst/>
-                <a:latin typeface="Menlo"/>
-              </a:rPr>
-              <a:t>/share/keyrings/docker-archive-</a:t>
-            </a:r>
-            <a:r>
-              <a:rPr kumimoji="0" lang="en-US" altLang="en-US" sz="1800" b="0" i="0" u="none" strike="noStrike" cap="none" normalizeH="0" baseline="0" dirty="0" err="1">
-                <a:ln>
-                  <a:noFill/>
-                </a:ln>
-                <a:solidFill>
-                  <a:srgbClr val="CD5555"/>
-                </a:solidFill>
-                <a:effectLst/>
-                <a:latin typeface="Menlo"/>
-              </a:rPr>
-              <a:t>keyring.gpg</a:t>
-            </a:r>
-            <a:r>
-              <a:rPr kumimoji="0" lang="en-US" altLang="en-US" sz="1800" b="0" i="0" u="none" strike="noStrike" cap="none" normalizeH="0" baseline="0" dirty="0">
-                <a:ln>
-                  <a:noFill/>
-                </a:ln>
-                <a:solidFill>
-                  <a:srgbClr val="CD5555"/>
-                </a:solidFill>
-                <a:effectLst/>
-                <a:latin typeface="Menlo"/>
-              </a:rPr>
-              <a:t>] https://download.docker.com/linux/ubuntu \ </a:t>
-            </a:r>
-            <a:r>
-              <a:rPr kumimoji="0" lang="en-US" altLang="en-US" sz="1800" b="0" i="0" u="none" strike="noStrike" cap="none" normalizeH="0" baseline="0" dirty="0">
-                <a:ln>
-                  <a:noFill/>
-                </a:ln>
-                <a:solidFill>
-                  <a:srgbClr val="8B008B"/>
-                </a:solidFill>
-                <a:effectLst/>
-                <a:latin typeface="Menlo"/>
-              </a:rPr>
-              <a:t>$(</a:t>
-            </a:r>
-            <a:r>
-              <a:rPr kumimoji="0" lang="en-US" altLang="en-US" sz="1800" b="0" i="0" u="none" strike="noStrike" cap="none" normalizeH="0" baseline="0" dirty="0" err="1">
-                <a:ln>
-                  <a:noFill/>
-                </a:ln>
-                <a:solidFill>
-                  <a:srgbClr val="0C5176"/>
-                </a:solidFill>
-                <a:effectLst/>
-                <a:latin typeface="Menlo"/>
-              </a:rPr>
-              <a:t>lsb_release</a:t>
-            </a:r>
-            <a:r>
-              <a:rPr kumimoji="0" lang="en-US" altLang="en-US" sz="1800" b="0" i="0" u="none" strike="noStrike" cap="none" normalizeH="0" baseline="0" dirty="0">
-                <a:ln>
-                  <a:noFill/>
-                </a:ln>
-                <a:solidFill>
-                  <a:srgbClr val="0C5176"/>
-                </a:solidFill>
-                <a:effectLst/>
-                <a:latin typeface="Menlo"/>
-              </a:rPr>
-              <a:t> </a:t>
-            </a:r>
-            <a:r>
-              <a:rPr kumimoji="0" lang="en-US" altLang="en-US" sz="1800" b="0" i="0" u="none" strike="noStrike" cap="none" normalizeH="0" baseline="0" dirty="0">
-                <a:ln>
-                  <a:noFill/>
-                </a:ln>
-                <a:solidFill>
-                  <a:srgbClr val="8B008B"/>
-                </a:solidFill>
-                <a:effectLst/>
-                <a:latin typeface="Menlo"/>
-              </a:rPr>
-              <a:t>-cs)</a:t>
-            </a:r>
-            <a:r>
-              <a:rPr kumimoji="0" lang="en-US" altLang="en-US" sz="1800" b="0" i="0" u="none" strike="noStrike" cap="none" normalizeH="0" baseline="0" dirty="0">
-                <a:ln>
-                  <a:noFill/>
-                </a:ln>
-                <a:solidFill>
-                  <a:srgbClr val="CD5555"/>
-                </a:solidFill>
-                <a:effectLst/>
-                <a:latin typeface="Menlo"/>
-              </a:rPr>
-              <a:t> stable"</a:t>
-            </a:r>
-            <a:r>
-              <a:rPr kumimoji="0" lang="en-US" altLang="en-US" sz="1800" b="0" i="0" u="none" strike="noStrike" cap="none" normalizeH="0" baseline="0" dirty="0">
-                <a:ln>
-                  <a:noFill/>
-                </a:ln>
-                <a:solidFill>
-                  <a:srgbClr val="0C5176"/>
-                </a:solidFill>
-                <a:effectLst/>
-                <a:latin typeface="Menlo"/>
-              </a:rPr>
-              <a:t> | </a:t>
-            </a:r>
-            <a:r>
-              <a:rPr kumimoji="0" lang="en-US" altLang="en-US" sz="1800" b="0" i="0" u="none" strike="noStrike" cap="none" normalizeH="0" baseline="0" dirty="0" err="1">
-                <a:ln>
-                  <a:noFill/>
-                </a:ln>
-                <a:solidFill>
-                  <a:srgbClr val="0C5176"/>
-                </a:solidFill>
-                <a:effectLst/>
-                <a:latin typeface="Menlo"/>
-              </a:rPr>
-              <a:t>sudo</a:t>
-            </a:r>
-            <a:r>
-              <a:rPr kumimoji="0" lang="en-US" altLang="en-US" sz="1800" b="0" i="0" u="none" strike="noStrike" cap="none" normalizeH="0" baseline="0" dirty="0">
-                <a:ln>
-                  <a:noFill/>
-                </a:ln>
-                <a:solidFill>
-                  <a:srgbClr val="0C5176"/>
-                </a:solidFill>
-                <a:effectLst/>
-                <a:latin typeface="Menlo"/>
-              </a:rPr>
-              <a:t> tee /</a:t>
-            </a:r>
-            <a:r>
-              <a:rPr kumimoji="0" lang="en-US" altLang="en-US" sz="1800" b="0" i="0" u="none" strike="noStrike" cap="none" normalizeH="0" baseline="0" dirty="0" err="1">
-                <a:ln>
-                  <a:noFill/>
-                </a:ln>
-                <a:solidFill>
-                  <a:srgbClr val="0C5176"/>
-                </a:solidFill>
-                <a:effectLst/>
-                <a:latin typeface="Menlo"/>
-              </a:rPr>
-              <a:t>etc</a:t>
-            </a:r>
-            <a:r>
-              <a:rPr kumimoji="0" lang="en-US" altLang="en-US" sz="1800" b="0" i="0" u="none" strike="noStrike" cap="none" normalizeH="0" baseline="0" dirty="0">
-                <a:ln>
-                  <a:noFill/>
-                </a:ln>
-                <a:solidFill>
-                  <a:srgbClr val="0C5176"/>
-                </a:solidFill>
-                <a:effectLst/>
-                <a:latin typeface="Menlo"/>
-              </a:rPr>
-              <a:t>/apt/</a:t>
-            </a:r>
-            <a:r>
-              <a:rPr kumimoji="0" lang="en-US" altLang="en-US" sz="1800" b="0" i="0" u="none" strike="noStrike" cap="none" normalizeH="0" baseline="0" dirty="0" err="1">
-                <a:ln>
-                  <a:noFill/>
-                </a:ln>
-                <a:solidFill>
-                  <a:srgbClr val="0C5176"/>
-                </a:solidFill>
-                <a:effectLst/>
-                <a:latin typeface="Menlo"/>
-              </a:rPr>
-              <a:t>sources.list.d</a:t>
-            </a:r>
-            <a:r>
-              <a:rPr kumimoji="0" lang="en-US" altLang="en-US" sz="1800" b="0" i="0" u="none" strike="noStrike" cap="none" normalizeH="0" baseline="0" dirty="0">
-                <a:ln>
-                  <a:noFill/>
-                </a:ln>
-                <a:solidFill>
-                  <a:srgbClr val="0C5176"/>
-                </a:solidFill>
-                <a:effectLst/>
-                <a:latin typeface="Menlo"/>
-              </a:rPr>
-              <a:t>/</a:t>
-            </a:r>
-            <a:r>
-              <a:rPr kumimoji="0" lang="en-US" altLang="en-US" sz="1800" b="0" i="0" u="none" strike="noStrike" cap="none" normalizeH="0" baseline="0" dirty="0" err="1">
-                <a:ln>
-                  <a:noFill/>
-                </a:ln>
-                <a:solidFill>
-                  <a:srgbClr val="0C5176"/>
-                </a:solidFill>
-                <a:effectLst/>
-                <a:latin typeface="Menlo"/>
-              </a:rPr>
-              <a:t>docker.list</a:t>
-            </a:r>
-            <a:r>
-              <a:rPr kumimoji="0" lang="en-US" altLang="en-US" sz="1800" b="0" i="0" u="none" strike="noStrike" cap="none" normalizeH="0" baseline="0" dirty="0">
-                <a:ln>
-                  <a:noFill/>
-                </a:ln>
-                <a:solidFill>
-                  <a:srgbClr val="0C5176"/>
-                </a:solidFill>
-                <a:effectLst/>
-                <a:latin typeface="Menlo"/>
-              </a:rPr>
-              <a:t> </a:t>
-            </a:r>
-            <a:r>
-              <a:rPr kumimoji="0" lang="en-US" altLang="en-US" sz="1800" b="0" i="0" u="none" strike="noStrike" cap="none" normalizeH="0" baseline="0" dirty="0">
-                <a:ln>
-                  <a:noFill/>
-                </a:ln>
-                <a:solidFill>
-                  <a:schemeClr val="tx1"/>
-                </a:solidFill>
-                <a:effectLst/>
-                <a:latin typeface="Arial" panose="020B0604020202020204" pitchFamily="34" charset="0"/>
-              </a:rPr>
-              <a:t>&gt;</a:t>
-            </a:r>
-            <a:r>
-              <a:rPr kumimoji="0" lang="en-US" altLang="en-US" sz="1800" b="0" i="0" u="none" strike="noStrike" cap="none" normalizeH="0" baseline="0" dirty="0">
-                <a:ln>
-                  <a:noFill/>
-                </a:ln>
-                <a:solidFill>
-                  <a:srgbClr val="0C5176"/>
-                </a:solidFill>
-                <a:effectLst/>
-                <a:latin typeface="Menlo"/>
-              </a:rPr>
-              <a:t>  /dev/null</a:t>
-            </a:r>
-            <a:r>
-              <a:rPr kumimoji="0" lang="en-US" altLang="en-US" sz="1800" b="0" i="0" u="none" strike="noStrike" cap="none" normalizeH="0" baseline="0" dirty="0">
-                <a:ln>
-                  <a:noFill/>
-                </a:ln>
-                <a:solidFill>
-                  <a:schemeClr val="tx1"/>
-                </a:solidFill>
-                <a:effectLst/>
-              </a:rPr>
-              <a:t> </a:t>
-            </a:r>
-            <a:endParaRPr lang="en-US" altLang="en-US" sz="1800" dirty="0">
-              <a:latin typeface="Arial" panose="020B0604020202020204" pitchFamily="34" charset="0"/>
-            </a:endParaRPr>
-          </a:p>
-          <a:p>
-            <a:pPr>
-              <a:lnSpc>
-                <a:spcPct val="100000"/>
-              </a:lnSpc>
-              <a:buClrTx/>
-            </a:pPr>
-            <a:r>
-              <a:rPr kumimoji="0" lang="en-US" altLang="en-US" sz="1800" b="0" i="0" u="none" strike="noStrike" cap="none" normalizeH="0" baseline="0" dirty="0">
-                <a:ln>
-                  <a:noFill/>
-                </a:ln>
-                <a:solidFill>
-                  <a:srgbClr val="0C5176"/>
-                </a:solidFill>
-                <a:effectLst/>
-                <a:latin typeface="Menlo"/>
-              </a:rPr>
-              <a:t>apt-get update</a:t>
-            </a:r>
-            <a:endParaRPr kumimoji="0" lang="en-US" altLang="en-US" sz="1800" b="0" i="0" u="none" strike="noStrike" cap="none" normalizeH="0" baseline="0" dirty="0">
-              <a:ln>
-                <a:noFill/>
-              </a:ln>
-              <a:solidFill>
-                <a:srgbClr val="658B00"/>
-              </a:solidFill>
-              <a:effectLst/>
-              <a:latin typeface="Arial" panose="020B0604020202020204" pitchFamily="34" charset="0"/>
-            </a:endParaRPr>
-          </a:p>
-          <a:p>
-            <a:pPr>
-              <a:lnSpc>
-                <a:spcPct val="100000"/>
-              </a:lnSpc>
-              <a:buClrTx/>
-            </a:pPr>
-            <a:r>
-              <a:rPr kumimoji="0" lang="en-US" altLang="en-US" sz="1800" b="0" i="0" u="none" strike="noStrike" cap="none" normalizeH="0" baseline="0" dirty="0">
-                <a:ln>
-                  <a:noFill/>
-                </a:ln>
-                <a:solidFill>
-                  <a:srgbClr val="0C5176"/>
-                </a:solidFill>
-                <a:effectLst/>
-                <a:latin typeface="Menlo"/>
-              </a:rPr>
-              <a:t>apt-get install docker-</a:t>
-            </a:r>
-            <a:r>
-              <a:rPr kumimoji="0" lang="en-US" altLang="en-US" sz="1800" b="0" i="0" u="none" strike="noStrike" cap="none" normalizeH="0" baseline="0" dirty="0" err="1">
-                <a:ln>
-                  <a:noFill/>
-                </a:ln>
-                <a:solidFill>
-                  <a:srgbClr val="0C5176"/>
-                </a:solidFill>
-                <a:effectLst/>
-                <a:latin typeface="Menlo"/>
-              </a:rPr>
-              <a:t>ce</a:t>
-            </a:r>
-            <a:r>
-              <a:rPr kumimoji="0" lang="en-US" altLang="en-US" sz="1800" b="0" i="0" u="none" strike="noStrike" cap="none" normalizeH="0" baseline="0" dirty="0">
-                <a:ln>
-                  <a:noFill/>
-                </a:ln>
-                <a:solidFill>
-                  <a:srgbClr val="0C5176"/>
-                </a:solidFill>
-                <a:effectLst/>
-                <a:latin typeface="Menlo"/>
-              </a:rPr>
-              <a:t> docker-</a:t>
-            </a:r>
-            <a:r>
-              <a:rPr kumimoji="0" lang="en-US" altLang="en-US" sz="1800" b="0" i="0" u="none" strike="noStrike" cap="none" normalizeH="0" baseline="0" dirty="0" err="1">
-                <a:ln>
-                  <a:noFill/>
-                </a:ln>
-                <a:solidFill>
-                  <a:srgbClr val="0C5176"/>
-                </a:solidFill>
-                <a:effectLst/>
-                <a:latin typeface="Menlo"/>
-              </a:rPr>
-              <a:t>ce</a:t>
-            </a:r>
-            <a:r>
-              <a:rPr kumimoji="0" lang="en-US" altLang="en-US" sz="1800" b="0" i="0" u="none" strike="noStrike" cap="none" normalizeH="0" baseline="0" dirty="0">
-                <a:ln>
-                  <a:noFill/>
-                </a:ln>
-                <a:solidFill>
-                  <a:srgbClr val="0C5176"/>
-                </a:solidFill>
-                <a:effectLst/>
-                <a:latin typeface="Menlo"/>
-              </a:rPr>
-              <a:t>-cli containerd.io</a:t>
-            </a:r>
-            <a:r>
-              <a:rPr kumimoji="0" lang="en-US" altLang="en-US" sz="1800" b="0" i="0" u="none" strike="noStrike" cap="none" normalizeH="0" baseline="0" dirty="0">
-                <a:ln>
-                  <a:noFill/>
-                </a:ln>
-                <a:solidFill>
-                  <a:schemeClr val="tx1"/>
-                </a:solidFill>
-                <a:effectLst/>
-              </a:rPr>
-              <a:t> </a:t>
-            </a:r>
-          </a:p>
-          <a:p>
-            <a:pPr>
-              <a:lnSpc>
-                <a:spcPct val="100000"/>
-              </a:lnSpc>
-              <a:buClrTx/>
-            </a:pPr>
-            <a:r>
-              <a:rPr kumimoji="0" lang="en-US" altLang="en-US" sz="1800" b="0" i="0" u="none" strike="noStrike" cap="none" normalizeH="0" baseline="0" dirty="0">
-                <a:ln>
-                  <a:noFill/>
-                </a:ln>
-                <a:solidFill>
-                  <a:srgbClr val="0C5176"/>
-                </a:solidFill>
-                <a:effectLst/>
-                <a:latin typeface="Menlo"/>
-              </a:rPr>
-              <a:t>docker run hello-world</a:t>
-            </a:r>
-            <a:r>
-              <a:rPr kumimoji="0" lang="en-US" altLang="en-US" sz="1800" b="0" i="0" u="none" strike="noStrike" cap="none" normalizeH="0" baseline="0" dirty="0">
-                <a:ln>
-                  <a:noFill/>
-                </a:ln>
-                <a:solidFill>
-                  <a:schemeClr val="tx1"/>
-                </a:solidFill>
-                <a:effectLst/>
-              </a:rPr>
-              <a:t> </a:t>
-            </a:r>
-            <a:endParaRPr kumimoji="0" lang="en-US" altLang="en-US" sz="1800" b="0" i="0" u="none" strike="noStrike" cap="none" normalizeH="0" baseline="0" dirty="0">
-              <a:ln>
-                <a:noFill/>
-              </a:ln>
-              <a:solidFill>
-                <a:schemeClr val="tx1"/>
-              </a:solidFill>
-              <a:effectLst/>
-              <a:latin typeface="Arial" panose="020B0604020202020204" pitchFamily="34" charset="0"/>
-            </a:endParaRPr>
-          </a:p>
-          <a:p>
-            <a:pPr>
-              <a:lnSpc>
-                <a:spcPct val="100000"/>
-              </a:lnSpc>
-              <a:buClrTx/>
-            </a:pPr>
-            <a:endParaRPr kumimoji="0" lang="en-US" altLang="en-US" sz="2000" b="0" i="0" u="none" strike="noStrike" cap="none" normalizeH="0" baseline="0" dirty="0">
-              <a:ln>
-                <a:noFill/>
-              </a:ln>
-              <a:solidFill>
-                <a:schemeClr val="tx1"/>
+                <a:srgbClr val="151E71"/>
               </a:solidFill>
               <a:effectLst/>
               <a:latin typeface="Arial" panose="020B0604020202020204" pitchFamily="34" charset="0"/>
@@ -7436,6 +7151,19 @@
               <a:buNone/>
             </a:pPr>
             <a:r>
+              <a:rPr kumimoji="0" lang="en-US" altLang="en-US" sz="1800" b="1" i="0" u="none" strike="noStrike" cap="none" normalizeH="0" baseline="0" dirty="0">
+                <a:ln>
+                  <a:noFill/>
+                </a:ln>
+                <a:solidFill>
+                  <a:schemeClr val="tx1"/>
+                </a:solidFill>
+                <a:effectLst/>
+                <a:latin typeface="Arial" panose="020B0604020202020204" pitchFamily="34" charset="0"/>
+              </a:rPr>
+              <a:t>Note</a:t>
+            </a:r>
+            <a:r>
               <a:rPr kumimoji="0" lang="en-US" altLang="en-US" sz="1800" b="0" i="0" u="none" strike="noStrike" cap="none" normalizeH="0" baseline="0" dirty="0">
                 <a:ln>
                   <a:noFill/>
@@ -7446,7 +7174,7 @@
                 <a:effectLst/>
                 <a:latin typeface="Arial" panose="020B0604020202020204" pitchFamily="34" charset="0"/>
               </a:rPr>
-              <a:t>Note: </a:t>
+              <a:t>: </a:t>
             </a:r>
           </a:p>
           <a:p>
